--- a/image2/FDR/界面.pptx
+++ b/image2/FDR/界面.pptx
@@ -104,6 +104,22 @@
       </a:defRPr>
     </a:lvl9pPr>
   </p:defaultTextStyle>
+  <p:extLst>
+    <p:ext uri="{EFAFB233-063F-42B5-8137-9DF3F51BA10A}">
+      <p15:sldGuideLst xmlns:p15="http://schemas.microsoft.com/office/powerpoint/2012/main">
+        <p15:guide id="1" orient="horz" pos="2835">
+          <p15:clr>
+            <a:srgbClr val="A4A3A4"/>
+          </p15:clr>
+        </p15:guide>
+        <p15:guide id="2" pos="2880">
+          <p15:clr>
+            <a:srgbClr val="A4A3A4"/>
+          </p15:clr>
+        </p15:guide>
+      </p15:sldGuideLst>
+    </p:ext>
+  </p:extLst>
 </p:presentation>
 </file>
 
@@ -145,10 +161,9 @@
           <a:lstStyle/>
           <a:p>
             <a:r>
-              <a:rPr lang="zh-CN" altLang="en-US" smtClean="0"/>
+              <a:rPr lang="zh-CN" altLang="en-US"/>
               <a:t>单击此处编辑母版标题样式</a:t>
             </a:r>
-            <a:endParaRPr lang="zh-CN" altLang="en-US"/>
           </a:p>
         </p:txBody>
       </p:sp>
@@ -264,10 +279,9 @@
           </a:lstStyle>
           <a:p>
             <a:r>
-              <a:rPr lang="zh-CN" altLang="en-US" smtClean="0"/>
+              <a:rPr lang="zh-CN" altLang="en-US"/>
               <a:t>单击此处编辑母版副标题样式</a:t>
             </a:r>
-            <a:endParaRPr lang="zh-CN" altLang="en-US"/>
           </a:p>
         </p:txBody>
       </p:sp>
@@ -288,7 +302,7 @@
           <a:p>
             <a:fld id="{530820CF-B880-4189-942D-D702A7CBA730}" type="datetimeFigureOut">
               <a:rPr lang="zh-CN" altLang="en-US" smtClean="0"/>
-              <a:t>2021/12/27</a:t>
+              <a:t>2024/4/28</a:t>
             </a:fld>
             <a:endParaRPr lang="zh-CN" altLang="en-US"/>
           </a:p>
@@ -377,10 +391,9 @@
           <a:lstStyle/>
           <a:p>
             <a:r>
-              <a:rPr lang="zh-CN" altLang="en-US" smtClean="0"/>
+              <a:rPr lang="zh-CN" altLang="en-US"/>
               <a:t>单击此处编辑母版标题样式</a:t>
             </a:r>
-            <a:endParaRPr lang="zh-CN" altLang="en-US"/>
           </a:p>
         </p:txBody>
       </p:sp>
@@ -401,38 +414,37 @@
           <a:p>
             <a:pPr lvl="0"/>
             <a:r>
-              <a:rPr lang="zh-CN" altLang="en-US" smtClean="0"/>
+              <a:rPr lang="zh-CN" altLang="en-US"/>
               <a:t>单击此处编辑母版文本样式</a:t>
             </a:r>
           </a:p>
           <a:p>
             <a:pPr lvl="1"/>
             <a:r>
-              <a:rPr lang="zh-CN" altLang="en-US" smtClean="0"/>
+              <a:rPr lang="zh-CN" altLang="en-US"/>
               <a:t>第二级</a:t>
             </a:r>
           </a:p>
           <a:p>
             <a:pPr lvl="2"/>
             <a:r>
-              <a:rPr lang="zh-CN" altLang="en-US" smtClean="0"/>
+              <a:rPr lang="zh-CN" altLang="en-US"/>
               <a:t>第三级</a:t>
             </a:r>
           </a:p>
           <a:p>
             <a:pPr lvl="3"/>
             <a:r>
-              <a:rPr lang="zh-CN" altLang="en-US" smtClean="0"/>
+              <a:rPr lang="zh-CN" altLang="en-US"/>
               <a:t>第四级</a:t>
             </a:r>
           </a:p>
           <a:p>
             <a:pPr lvl="4"/>
             <a:r>
-              <a:rPr lang="zh-CN" altLang="en-US" smtClean="0"/>
+              <a:rPr lang="zh-CN" altLang="en-US"/>
               <a:t>第五级</a:t>
             </a:r>
-            <a:endParaRPr lang="zh-CN" altLang="en-US"/>
           </a:p>
         </p:txBody>
       </p:sp>
@@ -453,7 +465,7 @@
           <a:p>
             <a:fld id="{530820CF-B880-4189-942D-D702A7CBA730}" type="datetimeFigureOut">
               <a:rPr lang="zh-CN" altLang="en-US" smtClean="0"/>
-              <a:t>2021/12/27</a:t>
+              <a:t>2024/4/28</a:t>
             </a:fld>
             <a:endParaRPr lang="zh-CN" altLang="en-US"/>
           </a:p>
@@ -547,10 +559,9 @@
           <a:lstStyle/>
           <a:p>
             <a:r>
-              <a:rPr lang="zh-CN" altLang="en-US" smtClean="0"/>
+              <a:rPr lang="zh-CN" altLang="en-US"/>
               <a:t>单击此处编辑母版标题样式</a:t>
             </a:r>
-            <a:endParaRPr lang="zh-CN" altLang="en-US"/>
           </a:p>
         </p:txBody>
       </p:sp>
@@ -576,38 +587,37 @@
           <a:p>
             <a:pPr lvl="0"/>
             <a:r>
-              <a:rPr lang="zh-CN" altLang="en-US" smtClean="0"/>
+              <a:rPr lang="zh-CN" altLang="en-US"/>
               <a:t>单击此处编辑母版文本样式</a:t>
             </a:r>
           </a:p>
           <a:p>
             <a:pPr lvl="1"/>
             <a:r>
-              <a:rPr lang="zh-CN" altLang="en-US" smtClean="0"/>
+              <a:rPr lang="zh-CN" altLang="en-US"/>
               <a:t>第二级</a:t>
             </a:r>
           </a:p>
           <a:p>
             <a:pPr lvl="2"/>
             <a:r>
-              <a:rPr lang="zh-CN" altLang="en-US" smtClean="0"/>
+              <a:rPr lang="zh-CN" altLang="en-US"/>
               <a:t>第三级</a:t>
             </a:r>
           </a:p>
           <a:p>
             <a:pPr lvl="3"/>
             <a:r>
-              <a:rPr lang="zh-CN" altLang="en-US" smtClean="0"/>
+              <a:rPr lang="zh-CN" altLang="en-US"/>
               <a:t>第四级</a:t>
             </a:r>
           </a:p>
           <a:p>
             <a:pPr lvl="4"/>
             <a:r>
-              <a:rPr lang="zh-CN" altLang="en-US" smtClean="0"/>
+              <a:rPr lang="zh-CN" altLang="en-US"/>
               <a:t>第五级</a:t>
             </a:r>
-            <a:endParaRPr lang="zh-CN" altLang="en-US"/>
           </a:p>
         </p:txBody>
       </p:sp>
@@ -628,7 +638,7 @@
           <a:p>
             <a:fld id="{530820CF-B880-4189-942D-D702A7CBA730}" type="datetimeFigureOut">
               <a:rPr lang="zh-CN" altLang="en-US" smtClean="0"/>
-              <a:t>2021/12/27</a:t>
+              <a:t>2024/4/28</a:t>
             </a:fld>
             <a:endParaRPr lang="zh-CN" altLang="en-US"/>
           </a:p>
@@ -717,10 +727,9 @@
           <a:lstStyle/>
           <a:p>
             <a:r>
-              <a:rPr lang="zh-CN" altLang="en-US" smtClean="0"/>
+              <a:rPr lang="zh-CN" altLang="en-US"/>
               <a:t>单击此处编辑母版标题样式</a:t>
             </a:r>
-            <a:endParaRPr lang="zh-CN" altLang="en-US"/>
           </a:p>
         </p:txBody>
       </p:sp>
@@ -741,38 +750,37 @@
           <a:p>
             <a:pPr lvl="0"/>
             <a:r>
-              <a:rPr lang="zh-CN" altLang="en-US" smtClean="0"/>
+              <a:rPr lang="zh-CN" altLang="en-US"/>
               <a:t>单击此处编辑母版文本样式</a:t>
             </a:r>
           </a:p>
           <a:p>
             <a:pPr lvl="1"/>
             <a:r>
-              <a:rPr lang="zh-CN" altLang="en-US" smtClean="0"/>
+              <a:rPr lang="zh-CN" altLang="en-US"/>
               <a:t>第二级</a:t>
             </a:r>
           </a:p>
           <a:p>
             <a:pPr lvl="2"/>
             <a:r>
-              <a:rPr lang="zh-CN" altLang="en-US" smtClean="0"/>
+              <a:rPr lang="zh-CN" altLang="en-US"/>
               <a:t>第三级</a:t>
             </a:r>
           </a:p>
           <a:p>
             <a:pPr lvl="3"/>
             <a:r>
-              <a:rPr lang="zh-CN" altLang="en-US" smtClean="0"/>
+              <a:rPr lang="zh-CN" altLang="en-US"/>
               <a:t>第四级</a:t>
             </a:r>
           </a:p>
           <a:p>
             <a:pPr lvl="4"/>
             <a:r>
-              <a:rPr lang="zh-CN" altLang="en-US" smtClean="0"/>
+              <a:rPr lang="zh-CN" altLang="en-US"/>
               <a:t>第五级</a:t>
             </a:r>
-            <a:endParaRPr lang="zh-CN" altLang="en-US"/>
           </a:p>
         </p:txBody>
       </p:sp>
@@ -793,7 +801,7 @@
           <a:p>
             <a:fld id="{530820CF-B880-4189-942D-D702A7CBA730}" type="datetimeFigureOut">
               <a:rPr lang="zh-CN" altLang="en-US" smtClean="0"/>
-              <a:t>2021/12/27</a:t>
+              <a:t>2024/4/28</a:t>
             </a:fld>
             <a:endParaRPr lang="zh-CN" altLang="en-US"/>
           </a:p>
@@ -891,10 +899,9 @@
           </a:lstStyle>
           <a:p>
             <a:r>
-              <a:rPr lang="zh-CN" altLang="en-US" smtClean="0"/>
+              <a:rPr lang="zh-CN" altLang="en-US"/>
               <a:t>单击此处编辑母版标题样式</a:t>
             </a:r>
-            <a:endParaRPr lang="zh-CN" altLang="en-US"/>
           </a:p>
         </p:txBody>
       </p:sp>
@@ -1011,7 +1018,7 @@
           <a:p>
             <a:pPr lvl="0"/>
             <a:r>
-              <a:rPr lang="zh-CN" altLang="en-US" smtClean="0"/>
+              <a:rPr lang="zh-CN" altLang="en-US"/>
               <a:t>单击此处编辑母版文本样式</a:t>
             </a:r>
           </a:p>
@@ -1034,7 +1041,7 @@
           <a:p>
             <a:fld id="{530820CF-B880-4189-942D-D702A7CBA730}" type="datetimeFigureOut">
               <a:rPr lang="zh-CN" altLang="en-US" smtClean="0"/>
-              <a:t>2021/12/27</a:t>
+              <a:t>2024/4/28</a:t>
             </a:fld>
             <a:endParaRPr lang="zh-CN" altLang="en-US"/>
           </a:p>
@@ -1123,10 +1130,9 @@
           <a:lstStyle/>
           <a:p>
             <a:r>
-              <a:rPr lang="zh-CN" altLang="en-US" smtClean="0"/>
+              <a:rPr lang="zh-CN" altLang="en-US"/>
               <a:t>单击此处编辑母版标题样式</a:t>
             </a:r>
-            <a:endParaRPr lang="zh-CN" altLang="en-US"/>
           </a:p>
         </p:txBody>
       </p:sp>
@@ -1180,38 +1186,37 @@
           <a:p>
             <a:pPr lvl="0"/>
             <a:r>
-              <a:rPr lang="zh-CN" altLang="en-US" smtClean="0"/>
+              <a:rPr lang="zh-CN" altLang="en-US"/>
               <a:t>单击此处编辑母版文本样式</a:t>
             </a:r>
           </a:p>
           <a:p>
             <a:pPr lvl="1"/>
             <a:r>
-              <a:rPr lang="zh-CN" altLang="en-US" smtClean="0"/>
+              <a:rPr lang="zh-CN" altLang="en-US"/>
               <a:t>第二级</a:t>
             </a:r>
           </a:p>
           <a:p>
             <a:pPr lvl="2"/>
             <a:r>
-              <a:rPr lang="zh-CN" altLang="en-US" smtClean="0"/>
+              <a:rPr lang="zh-CN" altLang="en-US"/>
               <a:t>第三级</a:t>
             </a:r>
           </a:p>
           <a:p>
             <a:pPr lvl="3"/>
             <a:r>
-              <a:rPr lang="zh-CN" altLang="en-US" smtClean="0"/>
+              <a:rPr lang="zh-CN" altLang="en-US"/>
               <a:t>第四级</a:t>
             </a:r>
           </a:p>
           <a:p>
             <a:pPr lvl="4"/>
             <a:r>
-              <a:rPr lang="zh-CN" altLang="en-US" smtClean="0"/>
+              <a:rPr lang="zh-CN" altLang="en-US"/>
               <a:t>第五级</a:t>
             </a:r>
-            <a:endParaRPr lang="zh-CN" altLang="en-US"/>
           </a:p>
         </p:txBody>
       </p:sp>
@@ -1265,38 +1270,37 @@
           <a:p>
             <a:pPr lvl="0"/>
             <a:r>
-              <a:rPr lang="zh-CN" altLang="en-US" smtClean="0"/>
+              <a:rPr lang="zh-CN" altLang="en-US"/>
               <a:t>单击此处编辑母版文本样式</a:t>
             </a:r>
           </a:p>
           <a:p>
             <a:pPr lvl="1"/>
             <a:r>
-              <a:rPr lang="zh-CN" altLang="en-US" smtClean="0"/>
+              <a:rPr lang="zh-CN" altLang="en-US"/>
               <a:t>第二级</a:t>
             </a:r>
           </a:p>
           <a:p>
             <a:pPr lvl="2"/>
             <a:r>
-              <a:rPr lang="zh-CN" altLang="en-US" smtClean="0"/>
+              <a:rPr lang="zh-CN" altLang="en-US"/>
               <a:t>第三级</a:t>
             </a:r>
           </a:p>
           <a:p>
             <a:pPr lvl="3"/>
             <a:r>
-              <a:rPr lang="zh-CN" altLang="en-US" smtClean="0"/>
+              <a:rPr lang="zh-CN" altLang="en-US"/>
               <a:t>第四级</a:t>
             </a:r>
           </a:p>
           <a:p>
             <a:pPr lvl="4"/>
             <a:r>
-              <a:rPr lang="zh-CN" altLang="en-US" smtClean="0"/>
+              <a:rPr lang="zh-CN" altLang="en-US"/>
               <a:t>第五级</a:t>
             </a:r>
-            <a:endParaRPr lang="zh-CN" altLang="en-US"/>
           </a:p>
         </p:txBody>
       </p:sp>
@@ -1317,7 +1321,7 @@
           <a:p>
             <a:fld id="{530820CF-B880-4189-942D-D702A7CBA730}" type="datetimeFigureOut">
               <a:rPr lang="zh-CN" altLang="en-US" smtClean="0"/>
-              <a:t>2021/12/27</a:t>
+              <a:t>2024/4/28</a:t>
             </a:fld>
             <a:endParaRPr lang="zh-CN" altLang="en-US"/>
           </a:p>
@@ -1410,10 +1414,9 @@
           </a:lstStyle>
           <a:p>
             <a:r>
-              <a:rPr lang="zh-CN" altLang="en-US" smtClean="0"/>
+              <a:rPr lang="zh-CN" altLang="en-US"/>
               <a:t>单击此处编辑母版标题样式</a:t>
             </a:r>
-            <a:endParaRPr lang="zh-CN" altLang="en-US"/>
           </a:p>
         </p:txBody>
       </p:sp>
@@ -1476,7 +1479,7 @@
           <a:p>
             <a:pPr lvl="0"/>
             <a:r>
-              <a:rPr lang="zh-CN" altLang="en-US" smtClean="0"/>
+              <a:rPr lang="zh-CN" altLang="en-US"/>
               <a:t>单击此处编辑母版文本样式</a:t>
             </a:r>
           </a:p>
@@ -1532,38 +1535,37 @@
           <a:p>
             <a:pPr lvl="0"/>
             <a:r>
-              <a:rPr lang="zh-CN" altLang="en-US" smtClean="0"/>
+              <a:rPr lang="zh-CN" altLang="en-US"/>
               <a:t>单击此处编辑母版文本样式</a:t>
             </a:r>
           </a:p>
           <a:p>
             <a:pPr lvl="1"/>
             <a:r>
-              <a:rPr lang="zh-CN" altLang="en-US" smtClean="0"/>
+              <a:rPr lang="zh-CN" altLang="en-US"/>
               <a:t>第二级</a:t>
             </a:r>
           </a:p>
           <a:p>
             <a:pPr lvl="2"/>
             <a:r>
-              <a:rPr lang="zh-CN" altLang="en-US" smtClean="0"/>
+              <a:rPr lang="zh-CN" altLang="en-US"/>
               <a:t>第三级</a:t>
             </a:r>
           </a:p>
           <a:p>
             <a:pPr lvl="3"/>
             <a:r>
-              <a:rPr lang="zh-CN" altLang="en-US" smtClean="0"/>
+              <a:rPr lang="zh-CN" altLang="en-US"/>
               <a:t>第四级</a:t>
             </a:r>
           </a:p>
           <a:p>
             <a:pPr lvl="4"/>
             <a:r>
-              <a:rPr lang="zh-CN" altLang="en-US" smtClean="0"/>
+              <a:rPr lang="zh-CN" altLang="en-US"/>
               <a:t>第五级</a:t>
             </a:r>
-            <a:endParaRPr lang="zh-CN" altLang="en-US"/>
           </a:p>
         </p:txBody>
       </p:sp>
@@ -1626,7 +1628,7 @@
           <a:p>
             <a:pPr lvl="0"/>
             <a:r>
-              <a:rPr lang="zh-CN" altLang="en-US" smtClean="0"/>
+              <a:rPr lang="zh-CN" altLang="en-US"/>
               <a:t>单击此处编辑母版文本样式</a:t>
             </a:r>
           </a:p>
@@ -1682,38 +1684,37 @@
           <a:p>
             <a:pPr lvl="0"/>
             <a:r>
-              <a:rPr lang="zh-CN" altLang="en-US" smtClean="0"/>
+              <a:rPr lang="zh-CN" altLang="en-US"/>
               <a:t>单击此处编辑母版文本样式</a:t>
             </a:r>
           </a:p>
           <a:p>
             <a:pPr lvl="1"/>
             <a:r>
-              <a:rPr lang="zh-CN" altLang="en-US" smtClean="0"/>
+              <a:rPr lang="zh-CN" altLang="en-US"/>
               <a:t>第二级</a:t>
             </a:r>
           </a:p>
           <a:p>
             <a:pPr lvl="2"/>
             <a:r>
-              <a:rPr lang="zh-CN" altLang="en-US" smtClean="0"/>
+              <a:rPr lang="zh-CN" altLang="en-US"/>
               <a:t>第三级</a:t>
             </a:r>
           </a:p>
           <a:p>
             <a:pPr lvl="3"/>
             <a:r>
-              <a:rPr lang="zh-CN" altLang="en-US" smtClean="0"/>
+              <a:rPr lang="zh-CN" altLang="en-US"/>
               <a:t>第四级</a:t>
             </a:r>
           </a:p>
           <a:p>
             <a:pPr lvl="4"/>
             <a:r>
-              <a:rPr lang="zh-CN" altLang="en-US" smtClean="0"/>
+              <a:rPr lang="zh-CN" altLang="en-US"/>
               <a:t>第五级</a:t>
             </a:r>
-            <a:endParaRPr lang="zh-CN" altLang="en-US"/>
           </a:p>
         </p:txBody>
       </p:sp>
@@ -1734,7 +1735,7 @@
           <a:p>
             <a:fld id="{530820CF-B880-4189-942D-D702A7CBA730}" type="datetimeFigureOut">
               <a:rPr lang="zh-CN" altLang="en-US" smtClean="0"/>
-              <a:t>2021/12/27</a:t>
+              <a:t>2024/4/28</a:t>
             </a:fld>
             <a:endParaRPr lang="zh-CN" altLang="en-US"/>
           </a:p>
@@ -1823,10 +1824,9 @@
           <a:lstStyle/>
           <a:p>
             <a:r>
-              <a:rPr lang="zh-CN" altLang="en-US" smtClean="0"/>
+              <a:rPr lang="zh-CN" altLang="en-US"/>
               <a:t>单击此处编辑母版标题样式</a:t>
             </a:r>
-            <a:endParaRPr lang="zh-CN" altLang="en-US"/>
           </a:p>
         </p:txBody>
       </p:sp>
@@ -1847,7 +1847,7 @@
           <a:p>
             <a:fld id="{530820CF-B880-4189-942D-D702A7CBA730}" type="datetimeFigureOut">
               <a:rPr lang="zh-CN" altLang="en-US" smtClean="0"/>
-              <a:t>2021/12/27</a:t>
+              <a:t>2024/4/28</a:t>
             </a:fld>
             <a:endParaRPr lang="zh-CN" altLang="en-US"/>
           </a:p>
@@ -1937,7 +1937,7 @@
           <a:p>
             <a:fld id="{530820CF-B880-4189-942D-D702A7CBA730}" type="datetimeFigureOut">
               <a:rPr lang="zh-CN" altLang="en-US" smtClean="0"/>
-              <a:t>2021/12/27</a:t>
+              <a:t>2024/4/28</a:t>
             </a:fld>
             <a:endParaRPr lang="zh-CN" altLang="en-US"/>
           </a:p>
@@ -2035,10 +2035,9 @@
           </a:lstStyle>
           <a:p>
             <a:r>
-              <a:rPr lang="zh-CN" altLang="en-US" smtClean="0"/>
+              <a:rPr lang="zh-CN" altLang="en-US"/>
               <a:t>单击此处编辑母版标题样式</a:t>
             </a:r>
-            <a:endParaRPr lang="zh-CN" altLang="en-US"/>
           </a:p>
         </p:txBody>
       </p:sp>
@@ -2092,38 +2091,37 @@
           <a:p>
             <a:pPr lvl="0"/>
             <a:r>
-              <a:rPr lang="zh-CN" altLang="en-US" smtClean="0"/>
+              <a:rPr lang="zh-CN" altLang="en-US"/>
               <a:t>单击此处编辑母版文本样式</a:t>
             </a:r>
           </a:p>
           <a:p>
             <a:pPr lvl="1"/>
             <a:r>
-              <a:rPr lang="zh-CN" altLang="en-US" smtClean="0"/>
+              <a:rPr lang="zh-CN" altLang="en-US"/>
               <a:t>第二级</a:t>
             </a:r>
           </a:p>
           <a:p>
             <a:pPr lvl="2"/>
             <a:r>
-              <a:rPr lang="zh-CN" altLang="en-US" smtClean="0"/>
+              <a:rPr lang="zh-CN" altLang="en-US"/>
               <a:t>第三级</a:t>
             </a:r>
           </a:p>
           <a:p>
             <a:pPr lvl="3"/>
             <a:r>
-              <a:rPr lang="zh-CN" altLang="en-US" smtClean="0"/>
+              <a:rPr lang="zh-CN" altLang="en-US"/>
               <a:t>第四级</a:t>
             </a:r>
           </a:p>
           <a:p>
             <a:pPr lvl="4"/>
             <a:r>
-              <a:rPr lang="zh-CN" altLang="en-US" smtClean="0"/>
+              <a:rPr lang="zh-CN" altLang="en-US"/>
               <a:t>第五级</a:t>
             </a:r>
-            <a:endParaRPr lang="zh-CN" altLang="en-US"/>
           </a:p>
         </p:txBody>
       </p:sp>
@@ -2186,7 +2184,7 @@
           <a:p>
             <a:pPr lvl="0"/>
             <a:r>
-              <a:rPr lang="zh-CN" altLang="en-US" smtClean="0"/>
+              <a:rPr lang="zh-CN" altLang="en-US"/>
               <a:t>单击此处编辑母版文本样式</a:t>
             </a:r>
           </a:p>
@@ -2209,7 +2207,7 @@
           <a:p>
             <a:fld id="{530820CF-B880-4189-942D-D702A7CBA730}" type="datetimeFigureOut">
               <a:rPr lang="zh-CN" altLang="en-US" smtClean="0"/>
-              <a:t>2021/12/27</a:t>
+              <a:t>2024/4/28</a:t>
             </a:fld>
             <a:endParaRPr lang="zh-CN" altLang="en-US"/>
           </a:p>
@@ -2307,10 +2305,9 @@
           </a:lstStyle>
           <a:p>
             <a:r>
-              <a:rPr lang="zh-CN" altLang="en-US" smtClean="0"/>
+              <a:rPr lang="zh-CN" altLang="en-US"/>
               <a:t>单击此处编辑母版标题样式</a:t>
             </a:r>
-            <a:endParaRPr lang="zh-CN" altLang="en-US"/>
           </a:p>
         </p:txBody>
       </p:sp>
@@ -2434,7 +2431,7 @@
           <a:p>
             <a:pPr lvl="0"/>
             <a:r>
-              <a:rPr lang="zh-CN" altLang="en-US" smtClean="0"/>
+              <a:rPr lang="zh-CN" altLang="en-US"/>
               <a:t>单击此处编辑母版文本样式</a:t>
             </a:r>
           </a:p>
@@ -2457,7 +2454,7 @@
           <a:p>
             <a:fld id="{530820CF-B880-4189-942D-D702A7CBA730}" type="datetimeFigureOut">
               <a:rPr lang="zh-CN" altLang="en-US" smtClean="0"/>
-              <a:t>2021/12/27</a:t>
+              <a:t>2024/4/28</a:t>
             </a:fld>
             <a:endParaRPr lang="zh-CN" altLang="en-US"/>
           </a:p>
@@ -2561,10 +2558,9 @@
           <a:lstStyle/>
           <a:p>
             <a:r>
-              <a:rPr lang="zh-CN" altLang="en-US" smtClean="0"/>
+              <a:rPr lang="zh-CN" altLang="en-US"/>
               <a:t>单击此处编辑母版标题样式</a:t>
             </a:r>
-            <a:endParaRPr lang="zh-CN" altLang="en-US"/>
           </a:p>
         </p:txBody>
       </p:sp>
@@ -2595,38 +2591,37 @@
           <a:p>
             <a:pPr lvl="0"/>
             <a:r>
-              <a:rPr lang="zh-CN" altLang="en-US" smtClean="0"/>
+              <a:rPr lang="zh-CN" altLang="en-US"/>
               <a:t>单击此处编辑母版文本样式</a:t>
             </a:r>
           </a:p>
           <a:p>
             <a:pPr lvl="1"/>
             <a:r>
-              <a:rPr lang="zh-CN" altLang="en-US" smtClean="0"/>
+              <a:rPr lang="zh-CN" altLang="en-US"/>
               <a:t>第二级</a:t>
             </a:r>
           </a:p>
           <a:p>
             <a:pPr lvl="2"/>
             <a:r>
-              <a:rPr lang="zh-CN" altLang="en-US" smtClean="0"/>
+              <a:rPr lang="zh-CN" altLang="en-US"/>
               <a:t>第三级</a:t>
             </a:r>
           </a:p>
           <a:p>
             <a:pPr lvl="3"/>
             <a:r>
-              <a:rPr lang="zh-CN" altLang="en-US" smtClean="0"/>
+              <a:rPr lang="zh-CN" altLang="en-US"/>
               <a:t>第四级</a:t>
             </a:r>
           </a:p>
           <a:p>
             <a:pPr lvl="4"/>
             <a:r>
-              <a:rPr lang="zh-CN" altLang="en-US" smtClean="0"/>
+              <a:rPr lang="zh-CN" altLang="en-US"/>
               <a:t>第五级</a:t>
             </a:r>
-            <a:endParaRPr lang="zh-CN" altLang="en-US"/>
           </a:p>
         </p:txBody>
       </p:sp>
@@ -2665,7 +2660,7 @@
           <a:p>
             <a:fld id="{530820CF-B880-4189-942D-D702A7CBA730}" type="datetimeFigureOut">
               <a:rPr lang="zh-CN" altLang="en-US" smtClean="0"/>
-              <a:t>2021/12/27</a:t>
+              <a:t>2024/4/28</a:t>
             </a:fld>
             <a:endParaRPr lang="zh-CN" altLang="en-US"/>
           </a:p>
@@ -3037,13 +3032,19 @@
       </p:grpSpPr>
       <p:pic>
         <p:nvPicPr>
-          <p:cNvPr id="4" name="图片 3"/>
+          <p:cNvPr id="5" name="图片 4">
+            <a:extLst>
+              <a:ext uri="{FF2B5EF4-FFF2-40B4-BE49-F238E27FC236}">
+                <a16:creationId xmlns:a16="http://schemas.microsoft.com/office/drawing/2014/main" id="{B5BF7084-577B-2E2A-D084-CCE4953D0C16}"/>
+              </a:ext>
+            </a:extLst>
+          </p:cNvPr>
           <p:cNvPicPr>
             <a:picLocks noChangeAspect="1"/>
           </p:cNvPicPr>
           <p:nvPr/>
         </p:nvPicPr>
-        <p:blipFill>
+        <p:blipFill rotWithShape="1">
           <a:blip r:embed="rId2">
             <a:extLst>
               <a:ext uri="{28A0092B-C50C-407E-A947-70E740481C1C}">
@@ -3051,14 +3052,13 @@
               </a:ext>
             </a:extLst>
           </a:blip>
-          <a:stretch>
-            <a:fillRect/>
-          </a:stretch>
+          <a:srcRect l="1804" t="1246"/>
+          <a:stretch/>
         </p:blipFill>
         <p:spPr>
           <a:xfrm>
-            <a:off x="4600503" y="1658994"/>
-            <a:ext cx="2876698" cy="3733992"/>
+            <a:off x="4678954" y="1742772"/>
+            <a:ext cx="2876698" cy="6476581"/>
           </a:xfrm>
           <a:prstGeom prst="rect">
             <a:avLst/>
@@ -3088,18 +3088,13 @@
           <a:lstStyle/>
           <a:p>
             <a:r>
-              <a:rPr lang="zh-CN" altLang="en-US" sz="2800" b="1" dirty="0" smtClean="0">
+              <a:rPr lang="zh-CN" altLang="en-US" sz="2800" b="1" dirty="0">
                 <a:solidFill>
                   <a:srgbClr val="FF0000"/>
                 </a:solidFill>
               </a:rPr>
               <a:t>界面介绍</a:t>
             </a:r>
-            <a:endParaRPr lang="zh-CN" altLang="en-US" sz="2800" b="1" dirty="0">
-              <a:solidFill>
-                <a:srgbClr val="FF0000"/>
-              </a:solidFill>
-            </a:endParaRPr>
           </a:p>
         </p:txBody>
       </p:sp>
@@ -3126,7 +3121,7 @@
           <a:lstStyle/>
           <a:p>
             <a:r>
-              <a:rPr lang="en-US" altLang="zh-CN" sz="1600" b="1" dirty="0" smtClean="0">
+              <a:rPr lang="en-US" altLang="zh-CN" sz="1600" b="1" dirty="0">
                 <a:latin typeface="+mn-ea"/>
               </a:rPr>
               <a:t>FDR</a:t>
@@ -3145,7 +3140,7 @@
         </p:nvSpPr>
         <p:spPr>
           <a:xfrm>
-            <a:off x="3536016" y="2268314"/>
+            <a:off x="3536016" y="2608402"/>
             <a:ext cx="864096" cy="288032"/>
           </a:xfrm>
           <a:prstGeom prst="borderCallout1">
@@ -3185,18 +3180,13 @@
           <a:p>
             <a:pPr algn="ctr"/>
             <a:r>
-              <a:rPr lang="zh-CN" altLang="en-US" sz="1200" dirty="0" smtClean="0">
+              <a:rPr lang="zh-CN" altLang="en-US" sz="1200" dirty="0">
                 <a:solidFill>
                   <a:srgbClr val="FF0000"/>
                 </a:solidFill>
               </a:rPr>
               <a:t>导入数据</a:t>
             </a:r>
-            <a:endParaRPr lang="zh-CN" altLang="en-US" sz="1200" dirty="0">
-              <a:solidFill>
-                <a:srgbClr val="FF0000"/>
-              </a:solidFill>
-            </a:endParaRPr>
           </a:p>
         </p:txBody>
       </p:sp>
@@ -3208,7 +3198,7 @@
         </p:nvSpPr>
         <p:spPr>
           <a:xfrm>
-            <a:off x="3420453" y="2844378"/>
+            <a:off x="3420453" y="3678870"/>
             <a:ext cx="1141553" cy="288032"/>
           </a:xfrm>
           <a:prstGeom prst="borderCallout1">
@@ -3248,7 +3238,7 @@
           <a:p>
             <a:pPr algn="ctr"/>
             <a:r>
-              <a:rPr lang="zh-CN" altLang="en-US" sz="1200" dirty="0" smtClean="0">
+              <a:rPr lang="zh-CN" altLang="en-US" sz="1200" dirty="0">
                 <a:solidFill>
                   <a:srgbClr val="FF0000"/>
                 </a:solidFill>
@@ -3257,7 +3247,7 @@
               <a:t>选择</a:t>
             </a:r>
             <a:r>
-              <a:rPr lang="en-US" altLang="zh-CN" sz="1200" dirty="0" smtClean="0">
+              <a:rPr lang="en-US" altLang="zh-CN" sz="1200" dirty="0">
                 <a:solidFill>
                   <a:srgbClr val="FF0000"/>
                 </a:solidFill>
@@ -3266,7 +3256,7 @@
               <a:t>FDR</a:t>
             </a:r>
             <a:r>
-              <a:rPr lang="zh-CN" altLang="en-US" sz="1200" dirty="0" smtClean="0">
+              <a:rPr lang="zh-CN" altLang="en-US" sz="1200" dirty="0">
                 <a:solidFill>
                   <a:srgbClr val="FF0000"/>
                 </a:solidFill>
@@ -3274,12 +3264,6 @@
               </a:rPr>
               <a:t>类型</a:t>
             </a:r>
-            <a:endParaRPr lang="zh-CN" altLang="en-US" sz="1200" dirty="0">
-              <a:solidFill>
-                <a:srgbClr val="FF0000"/>
-              </a:solidFill>
-              <a:latin typeface="+mn-ea"/>
-            </a:endParaRPr>
           </a:p>
         </p:txBody>
       </p:sp>
@@ -3291,7 +3275,7 @@
         </p:nvSpPr>
         <p:spPr>
           <a:xfrm>
-            <a:off x="3424222" y="3924498"/>
+            <a:off x="3424222" y="5744002"/>
             <a:ext cx="1141553" cy="288032"/>
           </a:xfrm>
           <a:prstGeom prst="borderCallout1">
@@ -3331,18 +3315,13 @@
           <a:p>
             <a:pPr algn="ctr"/>
             <a:r>
-              <a:rPr lang="zh-CN" altLang="en-US" sz="1200" dirty="0" smtClean="0">
+              <a:rPr lang="zh-CN" altLang="en-US" sz="1200" dirty="0">
                 <a:solidFill>
                   <a:srgbClr val="FF0000"/>
                 </a:solidFill>
               </a:rPr>
               <a:t>点击查看结果</a:t>
             </a:r>
-            <a:endParaRPr lang="zh-CN" altLang="en-US" sz="1200" dirty="0">
-              <a:solidFill>
-                <a:srgbClr val="FF0000"/>
-              </a:solidFill>
-            </a:endParaRPr>
           </a:p>
         </p:txBody>
       </p:sp>
@@ -3354,7 +3333,7 @@
         </p:nvSpPr>
         <p:spPr>
           <a:xfrm>
-            <a:off x="3424222" y="4356546"/>
+            <a:off x="3424222" y="6713646"/>
             <a:ext cx="1141553" cy="288032"/>
           </a:xfrm>
           <a:prstGeom prst="borderCallout1">
@@ -3394,7 +3373,7 @@
           <a:p>
             <a:pPr algn="ctr"/>
             <a:r>
-              <a:rPr lang="zh-CN" altLang="en-US" sz="1200" dirty="0" smtClean="0">
+              <a:rPr lang="zh-CN" altLang="en-US" sz="1200" dirty="0">
                 <a:solidFill>
                   <a:srgbClr val="FF0000"/>
                 </a:solidFill>
@@ -3403,7 +3382,7 @@
               <a:t>下载</a:t>
             </a:r>
             <a:r>
-              <a:rPr lang="en-US" altLang="zh-CN" sz="1200" dirty="0" smtClean="0">
+              <a:rPr lang="en-US" altLang="zh-CN" sz="1200" dirty="0">
                 <a:solidFill>
                   <a:srgbClr val="FF0000"/>
                 </a:solidFill>
@@ -3412,7 +3391,7 @@
               <a:t>FDR</a:t>
             </a:r>
             <a:r>
-              <a:rPr lang="zh-CN" altLang="en-US" sz="1200" dirty="0" smtClean="0">
+              <a:rPr lang="zh-CN" altLang="en-US" sz="1200" dirty="0">
                 <a:solidFill>
                   <a:srgbClr val="FF0000"/>
                 </a:solidFill>
@@ -3420,12 +3399,6 @@
               </a:rPr>
               <a:t>值</a:t>
             </a:r>
-            <a:endParaRPr lang="zh-CN" altLang="en-US" sz="1200" dirty="0">
-              <a:solidFill>
-                <a:srgbClr val="FF0000"/>
-              </a:solidFill>
-              <a:latin typeface="+mn-ea"/>
-            </a:endParaRPr>
           </a:p>
         </p:txBody>
       </p:sp>
@@ -3437,7 +3410,7 @@
         </p:nvSpPr>
         <p:spPr>
           <a:xfrm>
-            <a:off x="3420451" y="4932610"/>
+            <a:off x="3420451" y="7596906"/>
             <a:ext cx="1141553" cy="288032"/>
           </a:xfrm>
           <a:prstGeom prst="borderCallout1">
@@ -3477,7 +3450,7 @@
           <a:p>
             <a:pPr algn="ctr"/>
             <a:r>
-              <a:rPr lang="zh-CN" altLang="en-US" sz="1200" dirty="0" smtClean="0">
+              <a:rPr lang="zh-CN" altLang="en-US" sz="1200" dirty="0">
                 <a:solidFill>
                   <a:srgbClr val="FF0000"/>
                 </a:solidFill>
@@ -3485,12 +3458,6 @@
               </a:rPr>
               <a:t>下载直方图</a:t>
             </a:r>
-            <a:endParaRPr lang="zh-CN" altLang="en-US" sz="1200" dirty="0">
-              <a:solidFill>
-                <a:srgbClr val="FF0000"/>
-              </a:solidFill>
-              <a:latin typeface="+mn-ea"/>
-            </a:endParaRPr>
           </a:p>
         </p:txBody>
       </p:sp>
@@ -3502,7 +3469,7 @@
         </p:nvSpPr>
         <p:spPr>
           <a:xfrm>
-            <a:off x="3420452" y="3525990"/>
+            <a:off x="3420452" y="4711436"/>
             <a:ext cx="1141553" cy="288032"/>
           </a:xfrm>
           <a:prstGeom prst="borderCallout1">
@@ -3542,7 +3509,7 @@
           <a:p>
             <a:pPr algn="ctr"/>
             <a:r>
-              <a:rPr lang="en-US" altLang="zh-CN" sz="1200" dirty="0" smtClean="0">
+              <a:rPr lang="en-US" altLang="zh-CN" sz="1200" dirty="0">
                 <a:solidFill>
                   <a:srgbClr val="FF0000"/>
                 </a:solidFill>
@@ -3551,18 +3518,13 @@
               <a:t>P</a:t>
             </a:r>
             <a:r>
-              <a:rPr lang="zh-CN" altLang="en-US" sz="1200" dirty="0" smtClean="0">
+              <a:rPr lang="zh-CN" altLang="en-US" sz="1200" dirty="0">
                 <a:solidFill>
                   <a:srgbClr val="FF0000"/>
                 </a:solidFill>
               </a:rPr>
               <a:t>值所在列数</a:t>
             </a:r>
-            <a:endParaRPr lang="zh-CN" altLang="en-US" sz="1200" dirty="0">
-              <a:solidFill>
-                <a:srgbClr val="FF0000"/>
-              </a:solidFill>
-            </a:endParaRPr>
           </a:p>
         </p:txBody>
       </p:sp>
